--- a/images/theory_analysis/Container_NVIDA_CUDA_GPU/Container_NVIDA_CUDA_GPU.pptx
+++ b/images/theory_analysis/Container_NVIDA_CUDA_GPU/Container_NVIDA_CUDA_GPU.pptx
@@ -5,11 +5,13 @@
     <p:sldMasterId id="2147483648" r:id="rId1"/>
   </p:sldMasterIdLst>
   <p:notesMasterIdLst>
-    <p:notesMasterId r:id="rId4"/>
+    <p:notesMasterId r:id="rId6"/>
   </p:notesMasterIdLst>
   <p:sldIdLst>
-    <p:sldId id="422" r:id="rId2"/>
-    <p:sldId id="426" r:id="rId3"/>
+    <p:sldId id="428" r:id="rId2"/>
+    <p:sldId id="427" r:id="rId3"/>
+    <p:sldId id="422" r:id="rId4"/>
+    <p:sldId id="426" r:id="rId5"/>
   </p:sldIdLst>
   <p:sldSz cx="9144000" cy="5143500" type="screen16x9"/>
   <p:notesSz cx="6858000" cy="9144000"/>
@@ -547,6 +549,174 @@
             <a:fld id="{BA5DFA43-8D57-47FB-BC46-057616015C3B}" type="slidenum">
               <a:rPr lang="ko-KR" altLang="en-US" smtClean="0"/>
               <a:t>1</a:t>
+            </a:fld>
+            <a:endParaRPr lang="ko-KR" altLang="en-US"/>
+          </a:p>
+        </p:txBody>
+      </p:sp>
+    </p:spTree>
+    <p:extLst>
+      <p:ext uri="{BB962C8B-B14F-4D97-AF65-F5344CB8AC3E}">
+        <p14:creationId xmlns:p14="http://schemas.microsoft.com/office/powerpoint/2010/main" val="1567964482"/>
+      </p:ext>
+    </p:extLst>
+  </p:cSld>
+  <p:clrMapOvr>
+    <a:masterClrMapping/>
+  </p:clrMapOvr>
+</p:notes>
+</file>
+
+<file path=ppt/notesSlides/notesSlide2.xml><?xml version="1.0" encoding="utf-8"?>
+<p:notes xmlns:a="http://schemas.openxmlformats.org/drawingml/2006/main" xmlns:r="http://schemas.openxmlformats.org/officeDocument/2006/relationships" xmlns:p="http://schemas.openxmlformats.org/presentationml/2006/main">
+  <p:cSld>
+    <p:spTree>
+      <p:nvGrpSpPr>
+        <p:cNvPr id="1" name=""/>
+        <p:cNvGrpSpPr/>
+        <p:nvPr/>
+      </p:nvGrpSpPr>
+      <p:grpSpPr>
+        <a:xfrm>
+          <a:off x="0" y="0"/>
+          <a:ext cx="0" cy="0"/>
+          <a:chOff x="0" y="0"/>
+          <a:chExt cx="0" cy="0"/>
+        </a:xfrm>
+      </p:grpSpPr>
+      <p:sp>
+        <p:nvSpPr>
+          <p:cNvPr id="2" name="슬라이드 이미지 개체 틀 1"/>
+          <p:cNvSpPr>
+            <a:spLocks noGrp="1" noRot="1" noChangeAspect="1"/>
+          </p:cNvSpPr>
+          <p:nvPr>
+            <p:ph type="sldImg"/>
+          </p:nvPr>
+        </p:nvSpPr>
+        <p:spPr/>
+      </p:sp>
+      <p:sp>
+        <p:nvSpPr>
+          <p:cNvPr id="3" name="슬라이드 노트 개체 틀 2"/>
+          <p:cNvSpPr>
+            <a:spLocks noGrp="1"/>
+          </p:cNvSpPr>
+          <p:nvPr>
+            <p:ph type="body" idx="1"/>
+          </p:nvPr>
+        </p:nvSpPr>
+        <p:spPr/>
+        <p:txBody>
+          <a:bodyPr/>
+          <a:lstStyle/>
+          <a:p>
+            <a:endParaRPr lang="ko-KR" altLang="en-US"/>
+          </a:p>
+        </p:txBody>
+      </p:sp>
+      <p:sp>
+        <p:nvSpPr>
+          <p:cNvPr id="4" name="슬라이드 번호 개체 틀 3"/>
+          <p:cNvSpPr>
+            <a:spLocks noGrp="1"/>
+          </p:cNvSpPr>
+          <p:nvPr>
+            <p:ph type="sldNum" sz="quarter" idx="10"/>
+          </p:nvPr>
+        </p:nvSpPr>
+        <p:spPr/>
+        <p:txBody>
+          <a:bodyPr/>
+          <a:lstStyle/>
+          <a:p>
+            <a:fld id="{BA5DFA43-8D57-47FB-BC46-057616015C3B}" type="slidenum">
+              <a:rPr lang="ko-KR" altLang="en-US" smtClean="0"/>
+              <a:t>2</a:t>
+            </a:fld>
+            <a:endParaRPr lang="ko-KR" altLang="en-US"/>
+          </a:p>
+        </p:txBody>
+      </p:sp>
+    </p:spTree>
+    <p:extLst>
+      <p:ext uri="{BB962C8B-B14F-4D97-AF65-F5344CB8AC3E}">
+        <p14:creationId xmlns:p14="http://schemas.microsoft.com/office/powerpoint/2010/main" val="3019375958"/>
+      </p:ext>
+    </p:extLst>
+  </p:cSld>
+  <p:clrMapOvr>
+    <a:masterClrMapping/>
+  </p:clrMapOvr>
+</p:notes>
+</file>
+
+<file path=ppt/notesSlides/notesSlide3.xml><?xml version="1.0" encoding="utf-8"?>
+<p:notes xmlns:a="http://schemas.openxmlformats.org/drawingml/2006/main" xmlns:r="http://schemas.openxmlformats.org/officeDocument/2006/relationships" xmlns:p="http://schemas.openxmlformats.org/presentationml/2006/main">
+  <p:cSld>
+    <p:spTree>
+      <p:nvGrpSpPr>
+        <p:cNvPr id="1" name=""/>
+        <p:cNvGrpSpPr/>
+        <p:nvPr/>
+      </p:nvGrpSpPr>
+      <p:grpSpPr>
+        <a:xfrm>
+          <a:off x="0" y="0"/>
+          <a:ext cx="0" cy="0"/>
+          <a:chOff x="0" y="0"/>
+          <a:chExt cx="0" cy="0"/>
+        </a:xfrm>
+      </p:grpSpPr>
+      <p:sp>
+        <p:nvSpPr>
+          <p:cNvPr id="2" name="슬라이드 이미지 개체 틀 1"/>
+          <p:cNvSpPr>
+            <a:spLocks noGrp="1" noRot="1" noChangeAspect="1"/>
+          </p:cNvSpPr>
+          <p:nvPr>
+            <p:ph type="sldImg"/>
+          </p:nvPr>
+        </p:nvSpPr>
+        <p:spPr/>
+      </p:sp>
+      <p:sp>
+        <p:nvSpPr>
+          <p:cNvPr id="3" name="슬라이드 노트 개체 틀 2"/>
+          <p:cNvSpPr>
+            <a:spLocks noGrp="1"/>
+          </p:cNvSpPr>
+          <p:nvPr>
+            <p:ph type="body" idx="1"/>
+          </p:nvPr>
+        </p:nvSpPr>
+        <p:spPr/>
+        <p:txBody>
+          <a:bodyPr/>
+          <a:lstStyle/>
+          <a:p>
+            <a:endParaRPr lang="ko-KR" altLang="en-US"/>
+          </a:p>
+        </p:txBody>
+      </p:sp>
+      <p:sp>
+        <p:nvSpPr>
+          <p:cNvPr id="4" name="슬라이드 번호 개체 틀 3"/>
+          <p:cNvSpPr>
+            <a:spLocks noGrp="1"/>
+          </p:cNvSpPr>
+          <p:nvPr>
+            <p:ph type="sldNum" sz="quarter" idx="10"/>
+          </p:nvPr>
+        </p:nvSpPr>
+        <p:spPr/>
+        <p:txBody>
+          <a:bodyPr/>
+          <a:lstStyle/>
+          <a:p>
+            <a:fld id="{BA5DFA43-8D57-47FB-BC46-057616015C3B}" type="slidenum">
+              <a:rPr lang="ko-KR" altLang="en-US" smtClean="0"/>
+              <a:t>3</a:t>
             </a:fld>
             <a:endParaRPr lang="ko-KR" altLang="en-US"/>
           </a:p>
@@ -3490,17 +3660,1540 @@
         </p:nvSpPr>
         <p:spPr>
           <a:xfrm>
-            <a:off x="457200" y="-92546"/>
-            <a:ext cx="8229600" cy="857250"/>
-          </a:xfrm>
-        </p:spPr>
-        <p:txBody>
-          <a:bodyPr/>
+            <a:off x="0" y="-92546"/>
+            <a:ext cx="9144000" cy="857250"/>
+          </a:xfrm>
+        </p:spPr>
+        <p:txBody>
+          <a:bodyPr>
+            <a:normAutofit fontScale="90000"/>
+          </a:bodyPr>
           <a:lstStyle/>
           <a:p>
             <a:r>
               <a:rPr lang="en-US" altLang="ko-KR"/>
-              <a:t>NVIDIA Container GPU Stack</a:t>
+              <a:t>CUDA Container OCI Runtime Spec</a:t>
+            </a:r>
+            <a:endParaRPr lang="ko-KR" altLang="en-US" dirty="0"/>
+          </a:p>
+        </p:txBody>
+      </p:sp>
+      <p:sp>
+        <p:nvSpPr>
+          <p:cNvPr id="7" name="사각형: 둥근 모서리 114">
+            <a:extLst>
+              <a:ext uri="{FF2B5EF4-FFF2-40B4-BE49-F238E27FC236}">
+                <a16:creationId xmlns:a16="http://schemas.microsoft.com/office/drawing/2014/main" id="{E074CAD6-7716-4458-B0D4-1C0318E58F6D}"/>
+              </a:ext>
+            </a:extLst>
+          </p:cNvPr>
+          <p:cNvSpPr/>
+          <p:nvPr/>
+        </p:nvSpPr>
+        <p:spPr>
+          <a:xfrm>
+            <a:off x="2051720" y="698149"/>
+            <a:ext cx="5184576" cy="433441"/>
+          </a:xfrm>
+          <a:prstGeom prst="roundRect">
+            <a:avLst>
+              <a:gd name="adj" fmla="val 0"/>
+            </a:avLst>
+          </a:prstGeom>
+        </p:spPr>
+        <p:style>
+          <a:lnRef idx="2">
+            <a:schemeClr val="dk1"/>
+          </a:lnRef>
+          <a:fillRef idx="1">
+            <a:schemeClr val="lt1"/>
+          </a:fillRef>
+          <a:effectRef idx="0">
+            <a:schemeClr val="dk1"/>
+          </a:effectRef>
+          <a:fontRef idx="minor">
+            <a:schemeClr val="dk1"/>
+          </a:fontRef>
+        </p:style>
+        <p:txBody>
+          <a:bodyPr rtlCol="0" anchor="ctr"/>
+          <a:lstStyle/>
+          <a:p>
+            <a:r>
+              <a:rPr lang="en-US" altLang="ko-KR" sz="1400"/>
+              <a:t># docker run --gpu all nvidia/cuda:9.0-base nvida nvidia-smi</a:t>
+            </a:r>
+            <a:endParaRPr lang="en-US" altLang="ko-KR" sz="1400" dirty="0"/>
+          </a:p>
+        </p:txBody>
+      </p:sp>
+      <p:sp>
+        <p:nvSpPr>
+          <p:cNvPr id="11" name="사각형: 둥근 모서리 114">
+            <a:extLst>
+              <a:ext uri="{FF2B5EF4-FFF2-40B4-BE49-F238E27FC236}">
+                <a16:creationId xmlns:a16="http://schemas.microsoft.com/office/drawing/2014/main" id="{E07F06D4-AF1E-486E-8493-362B4DEDC5E3}"/>
+              </a:ext>
+            </a:extLst>
+          </p:cNvPr>
+          <p:cNvSpPr/>
+          <p:nvPr/>
+        </p:nvSpPr>
+        <p:spPr>
+          <a:xfrm>
+            <a:off x="899592" y="1354461"/>
+            <a:ext cx="7488831" cy="3367380"/>
+          </a:xfrm>
+          <a:prstGeom prst="roundRect">
+            <a:avLst>
+              <a:gd name="adj" fmla="val 0"/>
+            </a:avLst>
+          </a:prstGeom>
+        </p:spPr>
+        <p:style>
+          <a:lnRef idx="2">
+            <a:schemeClr val="dk1"/>
+          </a:lnRef>
+          <a:fillRef idx="1">
+            <a:schemeClr val="lt1"/>
+          </a:fillRef>
+          <a:effectRef idx="0">
+            <a:schemeClr val="dk1"/>
+          </a:effectRef>
+          <a:fontRef idx="minor">
+            <a:schemeClr val="dk1"/>
+          </a:fontRef>
+        </p:style>
+        <p:txBody>
+          <a:bodyPr rtlCol="0" anchor="ctr"/>
+          <a:lstStyle/>
+          <a:p>
+            <a:r>
+              <a:rPr lang="en-US" altLang="ko-KR" sz="1400"/>
+              <a:t>"hooks": {</a:t>
+            </a:r>
+          </a:p>
+          <a:p>
+            <a:r>
+              <a:rPr lang="en-US" altLang="ko-KR" sz="1400"/>
+              <a:t>    "prestart": [</a:t>
+            </a:r>
+          </a:p>
+          <a:p>
+            <a:r>
+              <a:rPr lang="en-US" altLang="ko-KR" sz="1400"/>
+              <a:t>         {</a:t>
+            </a:r>
+          </a:p>
+          <a:p>
+            <a:r>
+              <a:rPr lang="en-US" altLang="ko-KR" sz="1400"/>
+              <a:t>             "path": “/usr/bin/nvidia-container-runtime-hook”,</a:t>
+            </a:r>
+          </a:p>
+          <a:p>
+            <a:r>
+              <a:rPr lang="en-US" altLang="ko-KR" sz="1400"/>
+              <a:t>             "args": ["nvidia-container-runtime-hook ", “prestart"],</a:t>
+            </a:r>
+          </a:p>
+          <a:p>
+            <a:r>
+              <a:rPr lang="en-US" altLang="ko-KR" sz="1400"/>
+              <a:t>             "env": [“CUDA_VERSION=9.0.176”,</a:t>
+            </a:r>
+            <a:br>
+              <a:rPr lang="en-US" altLang="ko-KR" sz="1400"/>
+            </a:br>
+            <a:r>
+              <a:rPr lang="en-US" altLang="ko-KR" sz="1400"/>
+              <a:t>                       “CUDA_PKG_VERSION=9-0=9.0.176-1”,</a:t>
+            </a:r>
+          </a:p>
+          <a:p>
+            <a:r>
+              <a:rPr lang="en-US" altLang="ko-KR" sz="1400"/>
+              <a:t>                       “NVIDIA_VISIBLE_DEVICES=all“,</a:t>
+            </a:r>
+            <a:br>
+              <a:rPr lang="en-US" altLang="ko-KR" sz="1400"/>
+            </a:br>
+            <a:r>
+              <a:rPr lang="en-US" altLang="ko-KR" sz="1400"/>
+              <a:t>                       “NVIDIA_DRIVER_CAPABILITIES=“compute,utility”,</a:t>
+            </a:r>
+          </a:p>
+          <a:p>
+            <a:r>
+              <a:rPr lang="en-US" altLang="ko-KR" sz="1400"/>
+              <a:t>                       "NVIDIA_REQUIRE_CUDA=cuda&gt;=9.0“,</a:t>
+            </a:r>
+            <a:br>
+              <a:rPr lang="en-US" altLang="ko-KR" sz="1400"/>
+            </a:br>
+            <a:r>
+              <a:rPr lang="en-US" altLang="ko-KR" sz="1400"/>
+              <a:t>                       "LD_LIBRARY_PATH=/usr/local/nvidia/lib:/usr/local/nvidia/lib64“</a:t>
+            </a:r>
+          </a:p>
+          <a:p>
+            <a:r>
+              <a:rPr lang="en-US" altLang="ko-KR" sz="1400"/>
+              <a:t>             ]</a:t>
+            </a:r>
+          </a:p>
+          <a:p>
+            <a:r>
+              <a:rPr lang="en-US" altLang="ko-KR" sz="1400"/>
+              <a:t>         },</a:t>
+            </a:r>
+          </a:p>
+          <a:p>
+            <a:r>
+              <a:rPr lang="en-US" altLang="ko-KR" sz="1400"/>
+              <a:t>    ],</a:t>
+            </a:r>
+          </a:p>
+          <a:p>
+            <a:r>
+              <a:rPr lang="en-US" altLang="ko-KR" sz="1400"/>
+              <a:t>}</a:t>
+            </a:r>
+            <a:endParaRPr lang="en-US" altLang="ko-KR" sz="1400" dirty="0"/>
+          </a:p>
+        </p:txBody>
+      </p:sp>
+      <p:cxnSp>
+        <p:nvCxnSpPr>
+          <p:cNvPr id="9" name="직선 화살표 연결선 8">
+            <a:extLst>
+              <a:ext uri="{FF2B5EF4-FFF2-40B4-BE49-F238E27FC236}">
+                <a16:creationId xmlns:a16="http://schemas.microsoft.com/office/drawing/2014/main" id="{D3447036-464F-4C90-9B09-6E8806442451}"/>
+              </a:ext>
+            </a:extLst>
+          </p:cNvPr>
+          <p:cNvCxnSpPr>
+            <a:cxnSpLocks/>
+            <a:stCxn id="7" idx="2"/>
+            <a:endCxn id="11" idx="0"/>
+          </p:cNvCxnSpPr>
+          <p:nvPr/>
+        </p:nvCxnSpPr>
+        <p:spPr>
+          <a:xfrm>
+            <a:off x="4644008" y="1131590"/>
+            <a:ext cx="0" cy="222871"/>
+          </a:xfrm>
+          <a:prstGeom prst="straightConnector1">
+            <a:avLst/>
+          </a:prstGeom>
+          <a:ln w="19050">
+            <a:solidFill>
+              <a:schemeClr val="tx1"/>
+            </a:solidFill>
+            <a:headEnd type="none" w="med" len="med"/>
+            <a:tailEnd type="arrow" w="med" len="med"/>
+          </a:ln>
+        </p:spPr>
+        <p:style>
+          <a:lnRef idx="1">
+            <a:schemeClr val="accent1"/>
+          </a:lnRef>
+          <a:fillRef idx="0">
+            <a:schemeClr val="accent1"/>
+          </a:fillRef>
+          <a:effectRef idx="0">
+            <a:schemeClr val="accent1"/>
+          </a:effectRef>
+          <a:fontRef idx="minor">
+            <a:schemeClr val="tx1"/>
+          </a:fontRef>
+        </p:style>
+      </p:cxnSp>
+      <p:sp>
+        <p:nvSpPr>
+          <p:cNvPr id="22" name="사각형: 둥근 모서리 114">
+            <a:extLst>
+              <a:ext uri="{FF2B5EF4-FFF2-40B4-BE49-F238E27FC236}">
+                <a16:creationId xmlns:a16="http://schemas.microsoft.com/office/drawing/2014/main" id="{0B79FB11-EB5E-48B2-9B7D-2CF7A5759856}"/>
+              </a:ext>
+            </a:extLst>
+          </p:cNvPr>
+          <p:cNvSpPr/>
+          <p:nvPr/>
+        </p:nvSpPr>
+        <p:spPr>
+          <a:xfrm>
+            <a:off x="3278436" y="4658589"/>
+            <a:ext cx="2731142" cy="433441"/>
+          </a:xfrm>
+          <a:prstGeom prst="roundRect">
+            <a:avLst>
+              <a:gd name="adj" fmla="val 10304"/>
+            </a:avLst>
+          </a:prstGeom>
+          <a:noFill/>
+          <a:ln>
+            <a:noFill/>
+          </a:ln>
+        </p:spPr>
+        <p:style>
+          <a:lnRef idx="2">
+            <a:schemeClr val="dk1"/>
+          </a:lnRef>
+          <a:fillRef idx="1">
+            <a:schemeClr val="lt1"/>
+          </a:fillRef>
+          <a:effectRef idx="0">
+            <a:schemeClr val="dk1"/>
+          </a:effectRef>
+          <a:fontRef idx="minor">
+            <a:schemeClr val="dk1"/>
+          </a:fontRef>
+        </p:style>
+        <p:txBody>
+          <a:bodyPr rtlCol="0" anchor="ctr"/>
+          <a:lstStyle/>
+          <a:p>
+            <a:pPr algn="ctr"/>
+            <a:r>
+              <a:rPr lang="en-US" altLang="ko-KR" sz="1400"/>
+              <a:t>OCI Runtime Spec</a:t>
+            </a:r>
+            <a:endParaRPr lang="en-US" altLang="ko-KR" sz="1400" dirty="0"/>
+          </a:p>
+        </p:txBody>
+      </p:sp>
+    </p:spTree>
+    <p:extLst>
+      <p:ext uri="{BB962C8B-B14F-4D97-AF65-F5344CB8AC3E}">
+        <p14:creationId xmlns:p14="http://schemas.microsoft.com/office/powerpoint/2010/main" val="3265569655"/>
+      </p:ext>
+    </p:extLst>
+  </p:cSld>
+  <p:clrMapOvr>
+    <a:masterClrMapping/>
+  </p:clrMapOvr>
+</p:sld>
+</file>
+
+<file path=ppt/slides/slide2.xml><?xml version="1.0" encoding="utf-8"?>
+<p:sld xmlns:a="http://schemas.openxmlformats.org/drawingml/2006/main" xmlns:r="http://schemas.openxmlformats.org/officeDocument/2006/relationships" xmlns:p="http://schemas.openxmlformats.org/presentationml/2006/main">
+  <p:cSld>
+    <p:spTree>
+      <p:nvGrpSpPr>
+        <p:cNvPr id="1" name=""/>
+        <p:cNvGrpSpPr/>
+        <p:nvPr/>
+      </p:nvGrpSpPr>
+      <p:grpSpPr>
+        <a:xfrm>
+          <a:off x="0" y="0"/>
+          <a:ext cx="0" cy="0"/>
+          <a:chOff x="0" y="0"/>
+          <a:chExt cx="0" cy="0"/>
+        </a:xfrm>
+      </p:grpSpPr>
+      <p:sp>
+        <p:nvSpPr>
+          <p:cNvPr id="2" name="제목 1">
+            <a:extLst>
+              <a:ext uri="{FF2B5EF4-FFF2-40B4-BE49-F238E27FC236}">
+                <a16:creationId xmlns:a16="http://schemas.microsoft.com/office/drawing/2014/main" id="{8738443D-5E72-49E2-86AC-581D61C41C39}"/>
+              </a:ext>
+            </a:extLst>
+          </p:cNvPr>
+          <p:cNvSpPr>
+            <a:spLocks noGrp="1"/>
+          </p:cNvSpPr>
+          <p:nvPr>
+            <p:ph type="title"/>
+          </p:nvPr>
+        </p:nvSpPr>
+        <p:spPr>
+          <a:xfrm>
+            <a:off x="0" y="-92546"/>
+            <a:ext cx="9144000" cy="857250"/>
+          </a:xfrm>
+        </p:spPr>
+        <p:txBody>
+          <a:bodyPr>
+            <a:normAutofit/>
+          </a:bodyPr>
+          <a:lstStyle/>
+          <a:p>
+            <a:r>
+              <a:rPr lang="en-US" altLang="ko-KR"/>
+              <a:t>CUDA Container Init</a:t>
+            </a:r>
+            <a:endParaRPr lang="ko-KR" altLang="en-US" dirty="0"/>
+          </a:p>
+        </p:txBody>
+      </p:sp>
+      <p:sp>
+        <p:nvSpPr>
+          <p:cNvPr id="42" name="사각형: 둥근 모서리 114">
+            <a:extLst>
+              <a:ext uri="{FF2B5EF4-FFF2-40B4-BE49-F238E27FC236}">
+                <a16:creationId xmlns:a16="http://schemas.microsoft.com/office/drawing/2014/main" id="{5DB7B0D4-5C1C-4C60-BB8B-03D76D721F3B}"/>
+              </a:ext>
+            </a:extLst>
+          </p:cNvPr>
+          <p:cNvSpPr/>
+          <p:nvPr/>
+        </p:nvSpPr>
+        <p:spPr>
+          <a:xfrm>
+            <a:off x="3841306" y="3760564"/>
+            <a:ext cx="2731142" cy="827410"/>
+          </a:xfrm>
+          <a:prstGeom prst="roundRect">
+            <a:avLst>
+              <a:gd name="adj" fmla="val 6397"/>
+            </a:avLst>
+          </a:prstGeom>
+        </p:spPr>
+        <p:style>
+          <a:lnRef idx="2">
+            <a:schemeClr val="dk1"/>
+          </a:lnRef>
+          <a:fillRef idx="1">
+            <a:schemeClr val="lt1"/>
+          </a:fillRef>
+          <a:effectRef idx="0">
+            <a:schemeClr val="dk1"/>
+          </a:effectRef>
+          <a:fontRef idx="minor">
+            <a:schemeClr val="dk1"/>
+          </a:fontRef>
+        </p:style>
+        <p:txBody>
+          <a:bodyPr rtlCol="0" anchor="t"/>
+          <a:lstStyle/>
+          <a:p>
+            <a:pPr algn="ctr"/>
+            <a:r>
+              <a:rPr lang="en-US" altLang="ko-KR" sz="1400"/>
+              <a:t>nvidia-container-cli</a:t>
+            </a:r>
+            <a:endParaRPr lang="en-US" altLang="ko-KR" sz="1400" dirty="0"/>
+          </a:p>
+        </p:txBody>
+      </p:sp>
+      <p:sp>
+        <p:nvSpPr>
+          <p:cNvPr id="43" name="사각형: 둥근 모서리 114">
+            <a:extLst>
+              <a:ext uri="{FF2B5EF4-FFF2-40B4-BE49-F238E27FC236}">
+                <a16:creationId xmlns:a16="http://schemas.microsoft.com/office/drawing/2014/main" id="{142E6DCA-FDB6-4119-91C1-FBA4F20C9A10}"/>
+              </a:ext>
+            </a:extLst>
+          </p:cNvPr>
+          <p:cNvSpPr/>
+          <p:nvPr/>
+        </p:nvSpPr>
+        <p:spPr>
+          <a:xfrm>
+            <a:off x="4237350" y="4108151"/>
+            <a:ext cx="1939054" cy="372492"/>
+          </a:xfrm>
+          <a:prstGeom prst="roundRect">
+            <a:avLst>
+              <a:gd name="adj" fmla="val 6397"/>
+            </a:avLst>
+          </a:prstGeom>
+        </p:spPr>
+        <p:style>
+          <a:lnRef idx="2">
+            <a:schemeClr val="dk1"/>
+          </a:lnRef>
+          <a:fillRef idx="1">
+            <a:schemeClr val="lt1"/>
+          </a:fillRef>
+          <a:effectRef idx="0">
+            <a:schemeClr val="dk1"/>
+          </a:effectRef>
+          <a:fontRef idx="minor">
+            <a:schemeClr val="dk1"/>
+          </a:fontRef>
+        </p:style>
+        <p:txBody>
+          <a:bodyPr rtlCol="0" anchor="ctr"/>
+          <a:lstStyle/>
+          <a:p>
+            <a:pPr algn="ctr"/>
+            <a:r>
+              <a:rPr lang="en-US" altLang="ko-KR" sz="1400"/>
+              <a:t>libnvidia-container</a:t>
+            </a:r>
+            <a:endParaRPr lang="en-US" altLang="ko-KR" sz="1400" dirty="0"/>
+          </a:p>
+        </p:txBody>
+      </p:sp>
+      <p:sp>
+        <p:nvSpPr>
+          <p:cNvPr id="44" name="사각형: 둥근 모서리 114">
+            <a:extLst>
+              <a:ext uri="{FF2B5EF4-FFF2-40B4-BE49-F238E27FC236}">
+                <a16:creationId xmlns:a16="http://schemas.microsoft.com/office/drawing/2014/main" id="{082C67D4-7411-4FFA-9DE5-481C92F517B9}"/>
+              </a:ext>
+            </a:extLst>
+          </p:cNvPr>
+          <p:cNvSpPr/>
+          <p:nvPr/>
+        </p:nvSpPr>
+        <p:spPr>
+          <a:xfrm>
+            <a:off x="3841306" y="2571751"/>
+            <a:ext cx="2731142" cy="433441"/>
+          </a:xfrm>
+          <a:prstGeom prst="roundRect">
+            <a:avLst>
+              <a:gd name="adj" fmla="val 10304"/>
+            </a:avLst>
+          </a:prstGeom>
+        </p:spPr>
+        <p:style>
+          <a:lnRef idx="2">
+            <a:schemeClr val="dk1"/>
+          </a:lnRef>
+          <a:fillRef idx="1">
+            <a:schemeClr val="lt1"/>
+          </a:fillRef>
+          <a:effectRef idx="0">
+            <a:schemeClr val="dk1"/>
+          </a:effectRef>
+          <a:fontRef idx="minor">
+            <a:schemeClr val="dk1"/>
+          </a:fontRef>
+        </p:style>
+        <p:txBody>
+          <a:bodyPr rtlCol="0" anchor="ctr"/>
+          <a:lstStyle/>
+          <a:p>
+            <a:pPr algn="ctr"/>
+            <a:r>
+              <a:rPr lang="en-US" altLang="ko-KR" sz="1400"/>
+              <a:t>nvidia-container-runtime-hook</a:t>
+            </a:r>
+            <a:endParaRPr lang="en-US" altLang="ko-KR" sz="1400" dirty="0"/>
+          </a:p>
+        </p:txBody>
+      </p:sp>
+      <p:sp>
+        <p:nvSpPr>
+          <p:cNvPr id="45" name="사각형: 둥근 모서리 114">
+            <a:extLst>
+              <a:ext uri="{FF2B5EF4-FFF2-40B4-BE49-F238E27FC236}">
+                <a16:creationId xmlns:a16="http://schemas.microsoft.com/office/drawing/2014/main" id="{5822C4E5-43ED-4C5D-8B03-6B6C17509CCC}"/>
+              </a:ext>
+            </a:extLst>
+          </p:cNvPr>
+          <p:cNvSpPr/>
+          <p:nvPr/>
+        </p:nvSpPr>
+        <p:spPr>
+          <a:xfrm>
+            <a:off x="7153673" y="2571750"/>
+            <a:ext cx="1717863" cy="433441"/>
+          </a:xfrm>
+          <a:prstGeom prst="roundRect">
+            <a:avLst>
+              <a:gd name="adj" fmla="val 10304"/>
+            </a:avLst>
+          </a:prstGeom>
+        </p:spPr>
+        <p:style>
+          <a:lnRef idx="2">
+            <a:schemeClr val="dk1"/>
+          </a:lnRef>
+          <a:fillRef idx="1">
+            <a:schemeClr val="lt1"/>
+          </a:fillRef>
+          <a:effectRef idx="0">
+            <a:schemeClr val="dk1"/>
+          </a:effectRef>
+          <a:fontRef idx="minor">
+            <a:schemeClr val="dk1"/>
+          </a:fontRef>
+        </p:style>
+        <p:txBody>
+          <a:bodyPr rtlCol="0" anchor="ctr"/>
+          <a:lstStyle/>
+          <a:p>
+            <a:pPr algn="ctr"/>
+            <a:r>
+              <a:rPr lang="en-US" altLang="ko-KR" sz="1400"/>
+              <a:t>Hook Config File</a:t>
+            </a:r>
+            <a:endParaRPr lang="en-US" altLang="ko-KR" sz="1400" dirty="0"/>
+          </a:p>
+        </p:txBody>
+      </p:sp>
+      <p:cxnSp>
+        <p:nvCxnSpPr>
+          <p:cNvPr id="18" name="직선 화살표 연결선 17">
+            <a:extLst>
+              <a:ext uri="{FF2B5EF4-FFF2-40B4-BE49-F238E27FC236}">
+                <a16:creationId xmlns:a16="http://schemas.microsoft.com/office/drawing/2014/main" id="{65FB5BFF-A0DD-4714-8875-97CD74D2A2E4}"/>
+              </a:ext>
+            </a:extLst>
+          </p:cNvPr>
+          <p:cNvCxnSpPr>
+            <a:cxnSpLocks/>
+            <a:stCxn id="45" idx="1"/>
+            <a:endCxn id="44" idx="3"/>
+          </p:cNvCxnSpPr>
+          <p:nvPr/>
+        </p:nvCxnSpPr>
+        <p:spPr>
+          <a:xfrm flipH="1">
+            <a:off x="6572448" y="2788471"/>
+            <a:ext cx="581225" cy="1"/>
+          </a:xfrm>
+          <a:prstGeom prst="straightConnector1">
+            <a:avLst/>
+          </a:prstGeom>
+          <a:ln w="19050">
+            <a:solidFill>
+              <a:schemeClr val="tx1"/>
+            </a:solidFill>
+            <a:headEnd type="none" w="med" len="med"/>
+            <a:tailEnd type="arrow" w="med" len="med"/>
+          </a:ln>
+        </p:spPr>
+        <p:style>
+          <a:lnRef idx="1">
+            <a:schemeClr val="accent1"/>
+          </a:lnRef>
+          <a:fillRef idx="0">
+            <a:schemeClr val="accent1"/>
+          </a:fillRef>
+          <a:effectRef idx="0">
+            <a:schemeClr val="accent1"/>
+          </a:effectRef>
+          <a:fontRef idx="minor">
+            <a:schemeClr val="tx1"/>
+          </a:fontRef>
+        </p:style>
+      </p:cxnSp>
+      <p:cxnSp>
+        <p:nvCxnSpPr>
+          <p:cNvPr id="21" name="직선 화살표 연결선 20">
+            <a:extLst>
+              <a:ext uri="{FF2B5EF4-FFF2-40B4-BE49-F238E27FC236}">
+                <a16:creationId xmlns:a16="http://schemas.microsoft.com/office/drawing/2014/main" id="{FE2EADFE-6C93-41E9-A1B9-B5E2ADB880C6}"/>
+              </a:ext>
+            </a:extLst>
+          </p:cNvPr>
+          <p:cNvCxnSpPr>
+            <a:cxnSpLocks/>
+            <a:stCxn id="42" idx="1"/>
+            <a:endCxn id="48" idx="2"/>
+          </p:cNvCxnSpPr>
+          <p:nvPr/>
+        </p:nvCxnSpPr>
+        <p:spPr>
+          <a:xfrm flipH="1" flipV="1">
+            <a:off x="1955254" y="3343764"/>
+            <a:ext cx="1886052" cy="830505"/>
+          </a:xfrm>
+          <a:prstGeom prst="straightConnector1">
+            <a:avLst/>
+          </a:prstGeom>
+          <a:ln w="19050">
+            <a:solidFill>
+              <a:schemeClr val="tx1"/>
+            </a:solidFill>
+            <a:headEnd type="none" w="med" len="med"/>
+            <a:tailEnd type="arrow" w="med" len="med"/>
+          </a:ln>
+        </p:spPr>
+        <p:style>
+          <a:lnRef idx="1">
+            <a:schemeClr val="accent1"/>
+          </a:lnRef>
+          <a:fillRef idx="0">
+            <a:schemeClr val="accent1"/>
+          </a:fillRef>
+          <a:effectRef idx="0">
+            <a:schemeClr val="accent1"/>
+          </a:effectRef>
+          <a:fontRef idx="minor">
+            <a:schemeClr val="tx1"/>
+          </a:fontRef>
+        </p:style>
+      </p:cxnSp>
+      <p:cxnSp>
+        <p:nvCxnSpPr>
+          <p:cNvPr id="22" name="직선 화살표 연결선 21">
+            <a:extLst>
+              <a:ext uri="{FF2B5EF4-FFF2-40B4-BE49-F238E27FC236}">
+                <a16:creationId xmlns:a16="http://schemas.microsoft.com/office/drawing/2014/main" id="{3DD8BE10-CBA1-42DD-B3C6-FC95FC0FE639}"/>
+              </a:ext>
+            </a:extLst>
+          </p:cNvPr>
+          <p:cNvCxnSpPr>
+            <a:cxnSpLocks/>
+            <a:stCxn id="44" idx="2"/>
+            <a:endCxn id="42" idx="0"/>
+          </p:cNvCxnSpPr>
+          <p:nvPr/>
+        </p:nvCxnSpPr>
+        <p:spPr>
+          <a:xfrm>
+            <a:off x="5206877" y="3005192"/>
+            <a:ext cx="0" cy="755372"/>
+          </a:xfrm>
+          <a:prstGeom prst="straightConnector1">
+            <a:avLst/>
+          </a:prstGeom>
+          <a:ln w="19050">
+            <a:solidFill>
+              <a:schemeClr val="tx1"/>
+            </a:solidFill>
+            <a:headEnd type="none" w="med" len="med"/>
+            <a:tailEnd type="arrow" w="med" len="med"/>
+          </a:ln>
+        </p:spPr>
+        <p:style>
+          <a:lnRef idx="1">
+            <a:schemeClr val="accent1"/>
+          </a:lnRef>
+          <a:fillRef idx="0">
+            <a:schemeClr val="accent1"/>
+          </a:fillRef>
+          <a:effectRef idx="0">
+            <a:schemeClr val="accent1"/>
+          </a:effectRef>
+          <a:fontRef idx="minor">
+            <a:schemeClr val="tx1"/>
+          </a:fontRef>
+        </p:style>
+      </p:cxnSp>
+      <p:cxnSp>
+        <p:nvCxnSpPr>
+          <p:cNvPr id="30" name="직선 화살표 연결선 29">
+            <a:extLst>
+              <a:ext uri="{FF2B5EF4-FFF2-40B4-BE49-F238E27FC236}">
+                <a16:creationId xmlns:a16="http://schemas.microsoft.com/office/drawing/2014/main" id="{CB70320F-7E30-47DB-95E1-D7C348AC5B33}"/>
+              </a:ext>
+            </a:extLst>
+          </p:cNvPr>
+          <p:cNvCxnSpPr>
+            <a:cxnSpLocks/>
+            <a:stCxn id="35" idx="2"/>
+            <a:endCxn id="44" idx="0"/>
+          </p:cNvCxnSpPr>
+          <p:nvPr/>
+        </p:nvCxnSpPr>
+        <p:spPr>
+          <a:xfrm>
+            <a:off x="5206872" y="1276999"/>
+            <a:ext cx="5" cy="1294752"/>
+          </a:xfrm>
+          <a:prstGeom prst="straightConnector1">
+            <a:avLst/>
+          </a:prstGeom>
+          <a:ln w="19050">
+            <a:solidFill>
+              <a:schemeClr val="tx1"/>
+            </a:solidFill>
+            <a:headEnd type="none" w="med" len="med"/>
+            <a:tailEnd type="arrow" w="med" len="med"/>
+          </a:ln>
+        </p:spPr>
+        <p:style>
+          <a:lnRef idx="1">
+            <a:schemeClr val="accent1"/>
+          </a:lnRef>
+          <a:fillRef idx="0">
+            <a:schemeClr val="accent1"/>
+          </a:fillRef>
+          <a:effectRef idx="0">
+            <a:schemeClr val="accent1"/>
+          </a:effectRef>
+          <a:fontRef idx="minor">
+            <a:schemeClr val="tx1"/>
+          </a:fontRef>
+        </p:style>
+      </p:cxnSp>
+      <p:sp>
+        <p:nvSpPr>
+          <p:cNvPr id="35" name="사각형: 둥근 모서리 114">
+            <a:extLst>
+              <a:ext uri="{FF2B5EF4-FFF2-40B4-BE49-F238E27FC236}">
+                <a16:creationId xmlns:a16="http://schemas.microsoft.com/office/drawing/2014/main" id="{A2B3235F-66A3-43E7-8101-C88D350C6502}"/>
+              </a:ext>
+            </a:extLst>
+          </p:cNvPr>
+          <p:cNvSpPr/>
+          <p:nvPr/>
+        </p:nvSpPr>
+        <p:spPr>
+          <a:xfrm>
+            <a:off x="3841301" y="843558"/>
+            <a:ext cx="2731142" cy="433441"/>
+          </a:xfrm>
+          <a:prstGeom prst="roundRect">
+            <a:avLst>
+              <a:gd name="adj" fmla="val 10304"/>
+            </a:avLst>
+          </a:prstGeom>
+        </p:spPr>
+        <p:style>
+          <a:lnRef idx="2">
+            <a:schemeClr val="dk1"/>
+          </a:lnRef>
+          <a:fillRef idx="1">
+            <a:schemeClr val="lt1"/>
+          </a:fillRef>
+          <a:effectRef idx="0">
+            <a:schemeClr val="dk1"/>
+          </a:effectRef>
+          <a:fontRef idx="minor">
+            <a:schemeClr val="dk1"/>
+          </a:fontRef>
+        </p:style>
+        <p:txBody>
+          <a:bodyPr rtlCol="0" anchor="ctr"/>
+          <a:lstStyle/>
+          <a:p>
+            <a:pPr algn="ctr"/>
+            <a:r>
+              <a:rPr lang="en-US" altLang="ko-KR" sz="1400"/>
+              <a:t>runc</a:t>
+            </a:r>
+            <a:endParaRPr lang="en-US" altLang="ko-KR" sz="1400" dirty="0"/>
+          </a:p>
+        </p:txBody>
+      </p:sp>
+      <p:sp>
+        <p:nvSpPr>
+          <p:cNvPr id="39" name="사각형: 둥근 모서리 114">
+            <a:extLst>
+              <a:ext uri="{FF2B5EF4-FFF2-40B4-BE49-F238E27FC236}">
+                <a16:creationId xmlns:a16="http://schemas.microsoft.com/office/drawing/2014/main" id="{3F164252-2058-435F-8A1E-78F6A6AD1BA3}"/>
+              </a:ext>
+            </a:extLst>
+          </p:cNvPr>
+          <p:cNvSpPr/>
+          <p:nvPr/>
+        </p:nvSpPr>
+        <p:spPr>
+          <a:xfrm>
+            <a:off x="5153226" y="1313747"/>
+            <a:ext cx="2731142" cy="1224135"/>
+          </a:xfrm>
+          <a:prstGeom prst="roundRect">
+            <a:avLst>
+              <a:gd name="adj" fmla="val 10304"/>
+            </a:avLst>
+          </a:prstGeom>
+          <a:noFill/>
+          <a:ln>
+            <a:noFill/>
+          </a:ln>
+        </p:spPr>
+        <p:style>
+          <a:lnRef idx="2">
+            <a:schemeClr val="dk1"/>
+          </a:lnRef>
+          <a:fillRef idx="1">
+            <a:schemeClr val="lt1"/>
+          </a:fillRef>
+          <a:effectRef idx="0">
+            <a:schemeClr val="dk1"/>
+          </a:effectRef>
+          <a:fontRef idx="minor">
+            <a:schemeClr val="dk1"/>
+          </a:fontRef>
+        </p:style>
+        <p:txBody>
+          <a:bodyPr rtlCol="0" anchor="ctr"/>
+          <a:lstStyle/>
+          <a:p>
+            <a:pPr algn="ctr"/>
+            <a:r>
+              <a:rPr lang="en-US" altLang="ko-KR" sz="1400" b="1"/>
+              <a:t>Prestart Hook</a:t>
+            </a:r>
+          </a:p>
+          <a:p>
+            <a:pPr algn="ctr"/>
+            <a:r>
+              <a:rPr lang="en-US" altLang="ko-KR" sz="1400" b="1"/>
+              <a:t>STDIN : </a:t>
+            </a:r>
+            <a:r>
+              <a:rPr lang="en-US" altLang="ko-KR" sz="1400"/>
+              <a:t>Container Status</a:t>
+            </a:r>
+          </a:p>
+          <a:p>
+            <a:pPr algn="ctr"/>
+            <a:r>
+              <a:rPr lang="en-US" altLang="ko-KR" sz="1400"/>
+              <a:t>(Init PID, Rootfs Path)</a:t>
+            </a:r>
+            <a:endParaRPr lang="en-US" altLang="ko-KR" sz="1400" b="1"/>
+          </a:p>
+          <a:p>
+            <a:pPr algn="ctr"/>
+            <a:r>
+              <a:rPr lang="en-US" altLang="ko-KR" sz="1400" b="1"/>
+              <a:t>ENV : </a:t>
+            </a:r>
+            <a:r>
+              <a:rPr lang="en-US" altLang="ko-KR" sz="1400"/>
+              <a:t>GPU, CUDA Config</a:t>
+            </a:r>
+          </a:p>
+          <a:p>
+            <a:pPr algn="ctr"/>
+            <a:r>
+              <a:rPr lang="en-US" altLang="ko-KR" sz="1400"/>
+              <a:t>(GPU Device, CUDA Version)</a:t>
+            </a:r>
+          </a:p>
+        </p:txBody>
+      </p:sp>
+      <p:sp>
+        <p:nvSpPr>
+          <p:cNvPr id="46" name="사각형: 둥근 모서리 114">
+            <a:extLst>
+              <a:ext uri="{FF2B5EF4-FFF2-40B4-BE49-F238E27FC236}">
+                <a16:creationId xmlns:a16="http://schemas.microsoft.com/office/drawing/2014/main" id="{2A7265A9-1ED0-4509-AADA-EE30D5CF414A}"/>
+              </a:ext>
+            </a:extLst>
+          </p:cNvPr>
+          <p:cNvSpPr/>
+          <p:nvPr/>
+        </p:nvSpPr>
+        <p:spPr>
+          <a:xfrm>
+            <a:off x="5076056" y="3080244"/>
+            <a:ext cx="2381421" cy="537288"/>
+          </a:xfrm>
+          <a:prstGeom prst="roundRect">
+            <a:avLst>
+              <a:gd name="adj" fmla="val 10304"/>
+            </a:avLst>
+          </a:prstGeom>
+          <a:noFill/>
+          <a:ln>
+            <a:noFill/>
+          </a:ln>
+        </p:spPr>
+        <p:style>
+          <a:lnRef idx="2">
+            <a:schemeClr val="dk1"/>
+          </a:lnRef>
+          <a:fillRef idx="1">
+            <a:schemeClr val="lt1"/>
+          </a:fillRef>
+          <a:effectRef idx="0">
+            <a:schemeClr val="dk1"/>
+          </a:effectRef>
+          <a:fontRef idx="minor">
+            <a:schemeClr val="dk1"/>
+          </a:fontRef>
+        </p:style>
+        <p:txBody>
+          <a:bodyPr rtlCol="0" anchor="ctr"/>
+          <a:lstStyle/>
+          <a:p>
+            <a:pPr algn="ctr"/>
+            <a:r>
+              <a:rPr lang="en-US" altLang="ko-KR" sz="1400" b="1"/>
+              <a:t>Exec with Container, </a:t>
+            </a:r>
+          </a:p>
+          <a:p>
+            <a:pPr algn="ctr"/>
+            <a:r>
+              <a:rPr lang="en-US" altLang="ko-KR" sz="1400" b="1"/>
+              <a:t>GPU, CUDA Arguments</a:t>
+            </a:r>
+          </a:p>
+        </p:txBody>
+      </p:sp>
+      <p:sp>
+        <p:nvSpPr>
+          <p:cNvPr id="48" name="사각형: 둥근 모서리 114">
+            <a:extLst>
+              <a:ext uri="{FF2B5EF4-FFF2-40B4-BE49-F238E27FC236}">
+                <a16:creationId xmlns:a16="http://schemas.microsoft.com/office/drawing/2014/main" id="{E97AE204-C428-413E-8AD2-E8A0E995527D}"/>
+              </a:ext>
+            </a:extLst>
+          </p:cNvPr>
+          <p:cNvSpPr/>
+          <p:nvPr/>
+        </p:nvSpPr>
+        <p:spPr>
+          <a:xfrm>
+            <a:off x="994692" y="2231784"/>
+            <a:ext cx="1921124" cy="1111980"/>
+          </a:xfrm>
+          <a:prstGeom prst="roundRect">
+            <a:avLst>
+              <a:gd name="adj" fmla="val 6774"/>
+            </a:avLst>
+          </a:prstGeom>
+        </p:spPr>
+        <p:style>
+          <a:lnRef idx="2">
+            <a:schemeClr val="dk1"/>
+          </a:lnRef>
+          <a:fillRef idx="1">
+            <a:schemeClr val="lt1"/>
+          </a:fillRef>
+          <a:effectRef idx="0">
+            <a:schemeClr val="dk1"/>
+          </a:effectRef>
+          <a:fontRef idx="minor">
+            <a:schemeClr val="dk1"/>
+          </a:fontRef>
+        </p:style>
+        <p:txBody>
+          <a:bodyPr rtlCol="0" anchor="ctr"/>
+          <a:lstStyle/>
+          <a:p>
+            <a:pPr algn="ctr"/>
+            <a:r>
+              <a:rPr lang="en-US" altLang="ko-KR" sz="1400">
+                <a:solidFill>
+                  <a:schemeClr val="tx1"/>
+                </a:solidFill>
+              </a:rPr>
+              <a:t>Container</a:t>
+            </a:r>
+            <a:endParaRPr lang="en-US" altLang="ko-KR" sz="1400" dirty="0">
+              <a:solidFill>
+                <a:schemeClr val="tx1"/>
+              </a:solidFill>
+            </a:endParaRPr>
+          </a:p>
+          <a:p>
+            <a:pPr algn="ctr"/>
+            <a:r>
+              <a:rPr lang="en-US" altLang="ko-KR" sz="1400">
+                <a:solidFill>
+                  <a:schemeClr val="tx1"/>
+                </a:solidFill>
+              </a:rPr>
+              <a:t>(Namespace, Rootfs)</a:t>
+            </a:r>
+          </a:p>
+        </p:txBody>
+      </p:sp>
+      <p:sp>
+        <p:nvSpPr>
+          <p:cNvPr id="59" name="사각형: 둥근 모서리 114">
+            <a:extLst>
+              <a:ext uri="{FF2B5EF4-FFF2-40B4-BE49-F238E27FC236}">
+                <a16:creationId xmlns:a16="http://schemas.microsoft.com/office/drawing/2014/main" id="{A425BB29-0B26-467C-B6AC-5AE24F54625E}"/>
+              </a:ext>
+            </a:extLst>
+          </p:cNvPr>
+          <p:cNvSpPr/>
+          <p:nvPr/>
+        </p:nvSpPr>
+        <p:spPr>
+          <a:xfrm>
+            <a:off x="832746" y="987574"/>
+            <a:ext cx="2731142" cy="619914"/>
+          </a:xfrm>
+          <a:prstGeom prst="roundRect">
+            <a:avLst>
+              <a:gd name="adj" fmla="val 10304"/>
+            </a:avLst>
+          </a:prstGeom>
+          <a:noFill/>
+          <a:ln>
+            <a:noFill/>
+          </a:ln>
+        </p:spPr>
+        <p:style>
+          <a:lnRef idx="2">
+            <a:schemeClr val="dk1"/>
+          </a:lnRef>
+          <a:fillRef idx="1">
+            <a:schemeClr val="lt1"/>
+          </a:fillRef>
+          <a:effectRef idx="0">
+            <a:schemeClr val="dk1"/>
+          </a:effectRef>
+          <a:fontRef idx="minor">
+            <a:schemeClr val="dk1"/>
+          </a:fontRef>
+        </p:style>
+        <p:txBody>
+          <a:bodyPr rtlCol="0" anchor="ctr"/>
+          <a:lstStyle/>
+          <a:p>
+            <a:pPr algn="ctr"/>
+            <a:r>
+              <a:rPr lang="en-US" altLang="ko-KR" sz="1400"/>
+              <a:t>Create Namespace (Fork),</a:t>
+            </a:r>
+          </a:p>
+          <a:p>
+            <a:pPr algn="ctr"/>
+            <a:r>
+              <a:rPr lang="en-US" altLang="ko-KR" sz="1400"/>
+              <a:t>Set Rootfs</a:t>
+            </a:r>
+          </a:p>
+        </p:txBody>
+      </p:sp>
+      <p:sp>
+        <p:nvSpPr>
+          <p:cNvPr id="73" name="타원 72">
+            <a:extLst>
+              <a:ext uri="{FF2B5EF4-FFF2-40B4-BE49-F238E27FC236}">
+                <a16:creationId xmlns:a16="http://schemas.microsoft.com/office/drawing/2014/main" id="{13F88F64-DEB9-4E8C-9566-709C0350B858}"/>
+              </a:ext>
+            </a:extLst>
+          </p:cNvPr>
+          <p:cNvSpPr/>
+          <p:nvPr/>
+        </p:nvSpPr>
+        <p:spPr>
+          <a:xfrm>
+            <a:off x="5054539" y="1203598"/>
+            <a:ext cx="288032" cy="288032"/>
+          </a:xfrm>
+          <a:prstGeom prst="ellipse">
+            <a:avLst/>
+          </a:prstGeom>
+        </p:spPr>
+        <p:style>
+          <a:lnRef idx="2">
+            <a:schemeClr val="dk1"/>
+          </a:lnRef>
+          <a:fillRef idx="1">
+            <a:schemeClr val="lt1"/>
+          </a:fillRef>
+          <a:effectRef idx="0">
+            <a:schemeClr val="dk1"/>
+          </a:effectRef>
+          <a:fontRef idx="minor">
+            <a:schemeClr val="dk1"/>
+          </a:fontRef>
+        </p:style>
+        <p:txBody>
+          <a:bodyPr rtlCol="0" anchor="ctr"/>
+          <a:lstStyle/>
+          <a:p>
+            <a:pPr algn="ctr"/>
+            <a:r>
+              <a:rPr lang="en-US" altLang="ko-KR" sz="1600"/>
+              <a:t>2</a:t>
+            </a:r>
+            <a:endParaRPr lang="ko-KR" altLang="en-US" sz="1600"/>
+          </a:p>
+        </p:txBody>
+      </p:sp>
+      <p:sp>
+        <p:nvSpPr>
+          <p:cNvPr id="74" name="타원 73">
+            <a:extLst>
+              <a:ext uri="{FF2B5EF4-FFF2-40B4-BE49-F238E27FC236}">
+                <a16:creationId xmlns:a16="http://schemas.microsoft.com/office/drawing/2014/main" id="{48D87559-1E58-4D86-845E-9977F9833F54}"/>
+              </a:ext>
+            </a:extLst>
+          </p:cNvPr>
+          <p:cNvSpPr/>
+          <p:nvPr/>
+        </p:nvSpPr>
+        <p:spPr>
+          <a:xfrm>
+            <a:off x="5054539" y="2886446"/>
+            <a:ext cx="288032" cy="288032"/>
+          </a:xfrm>
+          <a:prstGeom prst="ellipse">
+            <a:avLst/>
+          </a:prstGeom>
+        </p:spPr>
+        <p:style>
+          <a:lnRef idx="2">
+            <a:schemeClr val="dk1"/>
+          </a:lnRef>
+          <a:fillRef idx="1">
+            <a:schemeClr val="lt1"/>
+          </a:fillRef>
+          <a:effectRef idx="0">
+            <a:schemeClr val="dk1"/>
+          </a:effectRef>
+          <a:fontRef idx="minor">
+            <a:schemeClr val="dk1"/>
+          </a:fontRef>
+        </p:style>
+        <p:txBody>
+          <a:bodyPr rtlCol="0" anchor="ctr"/>
+          <a:lstStyle/>
+          <a:p>
+            <a:pPr algn="ctr"/>
+            <a:r>
+              <a:rPr lang="en-US" altLang="ko-KR" sz="1600"/>
+              <a:t>3</a:t>
+            </a:r>
+            <a:endParaRPr lang="ko-KR" altLang="en-US" sz="1600"/>
+          </a:p>
+        </p:txBody>
+      </p:sp>
+      <p:sp>
+        <p:nvSpPr>
+          <p:cNvPr id="75" name="타원 74">
+            <a:extLst>
+              <a:ext uri="{FF2B5EF4-FFF2-40B4-BE49-F238E27FC236}">
+                <a16:creationId xmlns:a16="http://schemas.microsoft.com/office/drawing/2014/main" id="{DD1DCE9A-4B26-4230-8C42-D35177C3EBFF}"/>
+              </a:ext>
+            </a:extLst>
+          </p:cNvPr>
+          <p:cNvSpPr/>
+          <p:nvPr/>
+        </p:nvSpPr>
+        <p:spPr>
+          <a:xfrm>
+            <a:off x="3693972" y="4030253"/>
+            <a:ext cx="288032" cy="288032"/>
+          </a:xfrm>
+          <a:prstGeom prst="ellipse">
+            <a:avLst/>
+          </a:prstGeom>
+        </p:spPr>
+        <p:style>
+          <a:lnRef idx="2">
+            <a:schemeClr val="dk1"/>
+          </a:lnRef>
+          <a:fillRef idx="1">
+            <a:schemeClr val="lt1"/>
+          </a:fillRef>
+          <a:effectRef idx="0">
+            <a:schemeClr val="dk1"/>
+          </a:effectRef>
+          <a:fontRef idx="minor">
+            <a:schemeClr val="dk1"/>
+          </a:fontRef>
+        </p:style>
+        <p:txBody>
+          <a:bodyPr rtlCol="0" anchor="ctr"/>
+          <a:lstStyle/>
+          <a:p>
+            <a:pPr algn="ctr"/>
+            <a:r>
+              <a:rPr lang="en-US" altLang="ko-KR" sz="1600"/>
+              <a:t>4</a:t>
+            </a:r>
+            <a:endParaRPr lang="ko-KR" altLang="en-US" sz="1600"/>
+          </a:p>
+        </p:txBody>
+      </p:sp>
+      <p:sp>
+        <p:nvSpPr>
+          <p:cNvPr id="80" name="사각형: 둥근 모서리 114">
+            <a:extLst>
+              <a:ext uri="{FF2B5EF4-FFF2-40B4-BE49-F238E27FC236}">
+                <a16:creationId xmlns:a16="http://schemas.microsoft.com/office/drawing/2014/main" id="{B3BFAD38-3DFC-464B-B19E-4DB857870917}"/>
+              </a:ext>
+            </a:extLst>
+          </p:cNvPr>
+          <p:cNvSpPr/>
+          <p:nvPr/>
+        </p:nvSpPr>
+        <p:spPr>
+          <a:xfrm>
+            <a:off x="2987824" y="1471897"/>
+            <a:ext cx="1002950" cy="619914"/>
+          </a:xfrm>
+          <a:prstGeom prst="roundRect">
+            <a:avLst>
+              <a:gd name="adj" fmla="val 10304"/>
+            </a:avLst>
+          </a:prstGeom>
+          <a:noFill/>
+          <a:ln>
+            <a:noFill/>
+          </a:ln>
+        </p:spPr>
+        <p:style>
+          <a:lnRef idx="2">
+            <a:schemeClr val="dk1"/>
+          </a:lnRef>
+          <a:fillRef idx="1">
+            <a:schemeClr val="lt1"/>
+          </a:fillRef>
+          <a:effectRef idx="0">
+            <a:schemeClr val="dk1"/>
+          </a:effectRef>
+          <a:fontRef idx="minor">
+            <a:schemeClr val="dk1"/>
+          </a:fontRef>
+        </p:style>
+        <p:txBody>
+          <a:bodyPr rtlCol="0" anchor="ctr"/>
+          <a:lstStyle/>
+          <a:p>
+            <a:pPr algn="ctr"/>
+            <a:r>
+              <a:rPr lang="en-US" altLang="ko-KR" sz="1400"/>
+              <a:t>Exec App</a:t>
+            </a:r>
+          </a:p>
+        </p:txBody>
+      </p:sp>
+      <p:cxnSp>
+        <p:nvCxnSpPr>
+          <p:cNvPr id="88" name="직선 화살표 연결선 87">
+            <a:extLst>
+              <a:ext uri="{FF2B5EF4-FFF2-40B4-BE49-F238E27FC236}">
+                <a16:creationId xmlns:a16="http://schemas.microsoft.com/office/drawing/2014/main" id="{B82A5C8F-038F-4540-ACBF-D54373AE176E}"/>
+              </a:ext>
+            </a:extLst>
+          </p:cNvPr>
+          <p:cNvCxnSpPr>
+            <a:cxnSpLocks/>
+          </p:cNvCxnSpPr>
+          <p:nvPr/>
+        </p:nvCxnSpPr>
+        <p:spPr>
+          <a:xfrm flipH="1">
+            <a:off x="2203107" y="1247237"/>
+            <a:ext cx="1585056" cy="984547"/>
+          </a:xfrm>
+          <a:prstGeom prst="straightConnector1">
+            <a:avLst/>
+          </a:prstGeom>
+          <a:ln w="19050">
+            <a:solidFill>
+              <a:schemeClr val="tx1"/>
+            </a:solidFill>
+            <a:headEnd type="none" w="med" len="med"/>
+            <a:tailEnd type="arrow" w="med" len="med"/>
+          </a:ln>
+        </p:spPr>
+        <p:style>
+          <a:lnRef idx="1">
+            <a:schemeClr val="accent1"/>
+          </a:lnRef>
+          <a:fillRef idx="0">
+            <a:schemeClr val="accent1"/>
+          </a:fillRef>
+          <a:effectRef idx="0">
+            <a:schemeClr val="accent1"/>
+          </a:effectRef>
+          <a:fontRef idx="minor">
+            <a:schemeClr val="tx1"/>
+          </a:fontRef>
+        </p:style>
+      </p:cxnSp>
+      <p:sp>
+        <p:nvSpPr>
+          <p:cNvPr id="76" name="타원 75">
+            <a:extLst>
+              <a:ext uri="{FF2B5EF4-FFF2-40B4-BE49-F238E27FC236}">
+                <a16:creationId xmlns:a16="http://schemas.microsoft.com/office/drawing/2014/main" id="{ABCCEE66-F353-4557-8BFD-172E27E48A67}"/>
+              </a:ext>
+            </a:extLst>
+          </p:cNvPr>
+          <p:cNvSpPr/>
+          <p:nvPr/>
+        </p:nvSpPr>
+        <p:spPr>
+          <a:xfrm>
+            <a:off x="3673694" y="1112349"/>
+            <a:ext cx="288032" cy="288032"/>
+          </a:xfrm>
+          <a:prstGeom prst="ellipse">
+            <a:avLst/>
+          </a:prstGeom>
+          <a:solidFill>
+            <a:schemeClr val="bg1"/>
+          </a:solidFill>
+        </p:spPr>
+        <p:style>
+          <a:lnRef idx="2">
+            <a:schemeClr val="dk1"/>
+          </a:lnRef>
+          <a:fillRef idx="1">
+            <a:schemeClr val="lt1"/>
+          </a:fillRef>
+          <a:effectRef idx="0">
+            <a:schemeClr val="dk1"/>
+          </a:effectRef>
+          <a:fontRef idx="minor">
+            <a:schemeClr val="dk1"/>
+          </a:fontRef>
+        </p:style>
+        <p:txBody>
+          <a:bodyPr rtlCol="0" anchor="ctr"/>
+          <a:lstStyle/>
+          <a:p>
+            <a:pPr algn="ctr"/>
+            <a:r>
+              <a:rPr lang="en-US" altLang="ko-KR" sz="1600"/>
+              <a:t>5</a:t>
+            </a:r>
+            <a:endParaRPr lang="ko-KR" altLang="en-US" sz="1600"/>
+          </a:p>
+        </p:txBody>
+      </p:sp>
+      <p:cxnSp>
+        <p:nvCxnSpPr>
+          <p:cNvPr id="97" name="직선 화살표 연결선 96">
+            <a:extLst>
+              <a:ext uri="{FF2B5EF4-FFF2-40B4-BE49-F238E27FC236}">
+                <a16:creationId xmlns:a16="http://schemas.microsoft.com/office/drawing/2014/main" id="{E49F9148-186C-4D75-9590-4EAFC196FE25}"/>
+              </a:ext>
+            </a:extLst>
+          </p:cNvPr>
+          <p:cNvCxnSpPr>
+            <a:cxnSpLocks/>
+          </p:cNvCxnSpPr>
+          <p:nvPr/>
+        </p:nvCxnSpPr>
+        <p:spPr>
+          <a:xfrm flipH="1">
+            <a:off x="1718313" y="942412"/>
+            <a:ext cx="2075805" cy="1289372"/>
+          </a:xfrm>
+          <a:prstGeom prst="straightConnector1">
+            <a:avLst/>
+          </a:prstGeom>
+          <a:ln w="19050">
+            <a:solidFill>
+              <a:schemeClr val="tx1"/>
+            </a:solidFill>
+            <a:headEnd type="none" w="med" len="med"/>
+            <a:tailEnd type="arrow" w="med" len="med"/>
+          </a:ln>
+        </p:spPr>
+        <p:style>
+          <a:lnRef idx="1">
+            <a:schemeClr val="accent1"/>
+          </a:lnRef>
+          <a:fillRef idx="0">
+            <a:schemeClr val="accent1"/>
+          </a:fillRef>
+          <a:effectRef idx="0">
+            <a:schemeClr val="accent1"/>
+          </a:effectRef>
+          <a:fontRef idx="minor">
+            <a:schemeClr val="tx1"/>
+          </a:fontRef>
+        </p:style>
+      </p:cxnSp>
+      <p:sp>
+        <p:nvSpPr>
+          <p:cNvPr id="70" name="타원 69">
+            <a:extLst>
+              <a:ext uri="{FF2B5EF4-FFF2-40B4-BE49-F238E27FC236}">
+                <a16:creationId xmlns:a16="http://schemas.microsoft.com/office/drawing/2014/main" id="{FF8641A9-C507-43AD-A240-C1F7DE339E78}"/>
+              </a:ext>
+            </a:extLst>
+          </p:cNvPr>
+          <p:cNvSpPr/>
+          <p:nvPr/>
+        </p:nvSpPr>
+        <p:spPr>
+          <a:xfrm>
+            <a:off x="3673694" y="766738"/>
+            <a:ext cx="288032" cy="288032"/>
+          </a:xfrm>
+          <a:prstGeom prst="ellipse">
+            <a:avLst/>
+          </a:prstGeom>
+        </p:spPr>
+        <p:style>
+          <a:lnRef idx="2">
+            <a:schemeClr val="dk1"/>
+          </a:lnRef>
+          <a:fillRef idx="1">
+            <a:schemeClr val="lt1"/>
+          </a:fillRef>
+          <a:effectRef idx="0">
+            <a:schemeClr val="dk1"/>
+          </a:effectRef>
+          <a:fontRef idx="minor">
+            <a:schemeClr val="dk1"/>
+          </a:fontRef>
+        </p:style>
+        <p:txBody>
+          <a:bodyPr rtlCol="0" anchor="ctr"/>
+          <a:lstStyle/>
+          <a:p>
+            <a:pPr algn="ctr"/>
+            <a:r>
+              <a:rPr lang="en-US" altLang="ko-KR" sz="1600"/>
+              <a:t>1</a:t>
+            </a:r>
+            <a:endParaRPr lang="ko-KR" altLang="en-US" sz="1600"/>
+          </a:p>
+        </p:txBody>
+      </p:sp>
+    </p:spTree>
+    <p:extLst>
+      <p:ext uri="{BB962C8B-B14F-4D97-AF65-F5344CB8AC3E}">
+        <p14:creationId xmlns:p14="http://schemas.microsoft.com/office/powerpoint/2010/main" val="1832258287"/>
+      </p:ext>
+    </p:extLst>
+  </p:cSld>
+  <p:clrMapOvr>
+    <a:masterClrMapping/>
+  </p:clrMapOvr>
+</p:sld>
+</file>
+
+<file path=ppt/slides/slide3.xml><?xml version="1.0" encoding="utf-8"?>
+<p:sld xmlns:a="http://schemas.openxmlformats.org/drawingml/2006/main" xmlns:r="http://schemas.openxmlformats.org/officeDocument/2006/relationships" xmlns:p="http://schemas.openxmlformats.org/presentationml/2006/main">
+  <p:cSld>
+    <p:spTree>
+      <p:nvGrpSpPr>
+        <p:cNvPr id="1" name=""/>
+        <p:cNvGrpSpPr/>
+        <p:nvPr/>
+      </p:nvGrpSpPr>
+      <p:grpSpPr>
+        <a:xfrm>
+          <a:off x="0" y="0"/>
+          <a:ext cx="0" cy="0"/>
+          <a:chOff x="0" y="0"/>
+          <a:chExt cx="0" cy="0"/>
+        </a:xfrm>
+      </p:grpSpPr>
+      <p:sp>
+        <p:nvSpPr>
+          <p:cNvPr id="2" name="제목 1">
+            <a:extLst>
+              <a:ext uri="{FF2B5EF4-FFF2-40B4-BE49-F238E27FC236}">
+                <a16:creationId xmlns:a16="http://schemas.microsoft.com/office/drawing/2014/main" id="{8738443D-5E72-49E2-86AC-581D61C41C39}"/>
+              </a:ext>
+            </a:extLst>
+          </p:cNvPr>
+          <p:cNvSpPr>
+            <a:spLocks noGrp="1"/>
+          </p:cNvSpPr>
+          <p:nvPr>
+            <p:ph type="title"/>
+          </p:nvPr>
+        </p:nvSpPr>
+        <p:spPr>
+          <a:xfrm>
+            <a:off x="0" y="-92546"/>
+            <a:ext cx="9144000" cy="857250"/>
+          </a:xfrm>
+        </p:spPr>
+        <p:txBody>
+          <a:bodyPr>
+            <a:normAutofit/>
+          </a:bodyPr>
+          <a:lstStyle/>
+          <a:p>
+            <a:r>
+              <a:rPr lang="en-US" altLang="ko-KR"/>
+              <a:t>CUDA Container Stack</a:t>
             </a:r>
             <a:endParaRPr lang="ko-KR" altLang="en-US" dirty="0"/>
           </a:p>
@@ -4771,7 +6464,7 @@
           <a:prstGeom prst="line">
             <a:avLst/>
           </a:prstGeom>
-          <a:ln w="19050">
+          <a:ln w="28575">
             <a:solidFill>
               <a:srgbClr val="C00000"/>
             </a:solidFill>
@@ -4816,7 +6509,7 @@
           <a:prstGeom prst="line">
             <a:avLst/>
           </a:prstGeom>
-          <a:ln w="19050">
+          <a:ln w="28575">
             <a:solidFill>
               <a:srgbClr val="C00000"/>
             </a:solidFill>
@@ -4861,7 +6554,7 @@
           <a:prstGeom prst="line">
             <a:avLst/>
           </a:prstGeom>
-          <a:ln w="19050">
+          <a:ln w="28575">
             <a:solidFill>
               <a:srgbClr val="C00000"/>
             </a:solidFill>
@@ -4906,7 +6599,7 @@
           <a:prstGeom prst="line">
             <a:avLst/>
           </a:prstGeom>
-          <a:ln w="19050">
+          <a:ln w="28575">
             <a:solidFill>
               <a:srgbClr val="C00000"/>
             </a:solidFill>
@@ -5114,7 +6807,7 @@
           <a:prstGeom prst="line">
             <a:avLst/>
           </a:prstGeom>
-          <a:ln w="19050">
+          <a:ln w="28575">
             <a:solidFill>
               <a:srgbClr val="C00000"/>
             </a:solidFill>
@@ -5159,7 +6852,7 @@
           <a:prstGeom prst="line">
             <a:avLst/>
           </a:prstGeom>
-          <a:ln w="19050">
+          <a:ln w="28575">
             <a:solidFill>
               <a:srgbClr val="C00000"/>
             </a:solidFill>
@@ -5223,7 +6916,7 @@
             <a:prstGeom prst="line">
               <a:avLst/>
             </a:prstGeom>
-            <a:ln w="19050">
+            <a:ln w="28575">
               <a:solidFill>
                 <a:srgbClr val="C00000"/>
               </a:solidFill>
@@ -5294,7 +6987,7 @@
 </p:sld>
 </file>
 
-<file path=ppt/slides/slide2.xml><?xml version="1.0" encoding="utf-8"?>
+<file path=ppt/slides/slide4.xml><?xml version="1.0" encoding="utf-8"?>
 <p:sld xmlns:a="http://schemas.openxmlformats.org/drawingml/2006/main" xmlns:r="http://schemas.openxmlformats.org/officeDocument/2006/relationships" xmlns:p="http://schemas.openxmlformats.org/presentationml/2006/main">
   <p:cSld>
     <p:spTree>

--- a/images/theory_analysis/Container_NVIDA_CUDA_GPU/Container_NVIDA_CUDA_GPU.pptx
+++ b/images/theory_analysis/Container_NVIDA_CUDA_GPU/Container_NVIDA_CUDA_GPU.pptx
@@ -216,7 +216,7 @@
           <a:p>
             <a:fld id="{6CD5550B-26C4-49A9-A5BA-636EF7BE6CE9}" type="datetimeFigureOut">
               <a:rPr lang="ko-KR" altLang="en-US" smtClean="0"/>
-              <a:t>2019-12-17</a:t>
+              <a:t>2019-12-18</a:t>
             </a:fld>
             <a:endParaRPr lang="ko-KR" altLang="en-US"/>
           </a:p>
@@ -914,7 +914,7 @@
           <a:p>
             <a:fld id="{FB30EDBD-1C2D-4C1E-B459-B60219FAB484}" type="datetimeFigureOut">
               <a:rPr lang="ko-KR" altLang="en-US" smtClean="0"/>
-              <a:t>2019-12-17</a:t>
+              <a:t>2019-12-18</a:t>
             </a:fld>
             <a:endParaRPr lang="ko-KR" altLang="en-US"/>
           </a:p>
@@ -1077,7 +1077,7 @@
           <a:p>
             <a:fld id="{FB30EDBD-1C2D-4C1E-B459-B60219FAB484}" type="datetimeFigureOut">
               <a:rPr lang="ko-KR" altLang="en-US" smtClean="0"/>
-              <a:t>2019-12-17</a:t>
+              <a:t>2019-12-18</a:t>
             </a:fld>
             <a:endParaRPr lang="ko-KR" altLang="en-US"/>
           </a:p>
@@ -1250,7 +1250,7 @@
           <a:p>
             <a:fld id="{FB30EDBD-1C2D-4C1E-B459-B60219FAB484}" type="datetimeFigureOut">
               <a:rPr lang="ko-KR" altLang="en-US" smtClean="0"/>
-              <a:t>2019-12-17</a:t>
+              <a:t>2019-12-18</a:t>
             </a:fld>
             <a:endParaRPr lang="ko-KR" altLang="en-US"/>
           </a:p>
@@ -1413,7 +1413,7 @@
           <a:p>
             <a:fld id="{FB30EDBD-1C2D-4C1E-B459-B60219FAB484}" type="datetimeFigureOut">
               <a:rPr lang="ko-KR" altLang="en-US" smtClean="0"/>
-              <a:t>2019-12-17</a:t>
+              <a:t>2019-12-18</a:t>
             </a:fld>
             <a:endParaRPr lang="ko-KR" altLang="en-US"/>
           </a:p>
@@ -1653,7 +1653,7 @@
           <a:p>
             <a:fld id="{FB30EDBD-1C2D-4C1E-B459-B60219FAB484}" type="datetimeFigureOut">
               <a:rPr lang="ko-KR" altLang="en-US" smtClean="0"/>
-              <a:t>2019-12-17</a:t>
+              <a:t>2019-12-18</a:t>
             </a:fld>
             <a:endParaRPr lang="ko-KR" altLang="en-US"/>
           </a:p>
@@ -1933,7 +1933,7 @@
           <a:p>
             <a:fld id="{FB30EDBD-1C2D-4C1E-B459-B60219FAB484}" type="datetimeFigureOut">
               <a:rPr lang="ko-KR" altLang="en-US" smtClean="0"/>
-              <a:t>2019-12-17</a:t>
+              <a:t>2019-12-18</a:t>
             </a:fld>
             <a:endParaRPr lang="ko-KR" altLang="en-US"/>
           </a:p>
@@ -2347,7 +2347,7 @@
           <a:p>
             <a:fld id="{FB30EDBD-1C2D-4C1E-B459-B60219FAB484}" type="datetimeFigureOut">
               <a:rPr lang="ko-KR" altLang="en-US" smtClean="0"/>
-              <a:t>2019-12-17</a:t>
+              <a:t>2019-12-18</a:t>
             </a:fld>
             <a:endParaRPr lang="ko-KR" altLang="en-US"/>
           </a:p>
@@ -2459,7 +2459,7 @@
           <a:p>
             <a:fld id="{FB30EDBD-1C2D-4C1E-B459-B60219FAB484}" type="datetimeFigureOut">
               <a:rPr lang="ko-KR" altLang="en-US" smtClean="0"/>
-              <a:t>2019-12-17</a:t>
+              <a:t>2019-12-18</a:t>
             </a:fld>
             <a:endParaRPr lang="ko-KR" altLang="en-US"/>
           </a:p>
@@ -2549,7 +2549,7 @@
           <a:p>
             <a:fld id="{FB30EDBD-1C2D-4C1E-B459-B60219FAB484}" type="datetimeFigureOut">
               <a:rPr lang="ko-KR" altLang="en-US" smtClean="0"/>
-              <a:t>2019-12-17</a:t>
+              <a:t>2019-12-18</a:t>
             </a:fld>
             <a:endParaRPr lang="ko-KR" altLang="en-US"/>
           </a:p>
@@ -2819,7 +2819,7 @@
           <a:p>
             <a:fld id="{FB30EDBD-1C2D-4C1E-B459-B60219FAB484}" type="datetimeFigureOut">
               <a:rPr lang="ko-KR" altLang="en-US" smtClean="0"/>
-              <a:t>2019-12-17</a:t>
+              <a:t>2019-12-18</a:t>
             </a:fld>
             <a:endParaRPr lang="ko-KR" altLang="en-US"/>
           </a:p>
@@ -3066,7 +3066,7 @@
           <a:p>
             <a:fld id="{FB30EDBD-1C2D-4C1E-B459-B60219FAB484}" type="datetimeFigureOut">
               <a:rPr lang="ko-KR" altLang="en-US" smtClean="0"/>
-              <a:t>2019-12-17</a:t>
+              <a:t>2019-12-18</a:t>
             </a:fld>
             <a:endParaRPr lang="ko-KR" altLang="en-US"/>
           </a:p>
@@ -3272,7 +3272,7 @@
           <a:p>
             <a:fld id="{FB30EDBD-1C2D-4C1E-B459-B60219FAB484}" type="datetimeFigureOut">
               <a:rPr lang="ko-KR" altLang="en-US" smtClean="0"/>
-              <a:t>2019-12-17</a:t>
+              <a:t>2019-12-18</a:t>
             </a:fld>
             <a:endParaRPr lang="ko-KR" altLang="en-US"/>
           </a:p>
@@ -4074,7 +4074,7 @@
             <a:pPr algn="ctr"/>
             <a:r>
               <a:rPr lang="en-US" altLang="ko-KR" sz="1400"/>
-              <a:t>nvidia-container-cli</a:t>
+              <a:t>nvidia-container-cli CLI</a:t>
             </a:r>
             <a:endParaRPr lang="en-US" altLang="ko-KR" sz="1400" dirty="0"/>
           </a:p>
@@ -4144,8 +4144,8 @@
         </p:nvSpPr>
         <p:spPr>
           <a:xfrm>
-            <a:off x="3841306" y="2571751"/>
-            <a:ext cx="2731142" cy="433441"/>
+            <a:off x="3673694" y="2571751"/>
+            <a:ext cx="3066366" cy="433441"/>
           </a:xfrm>
           <a:prstGeom prst="roundRect">
             <a:avLst>
@@ -4174,7 +4174,7 @@
             <a:pPr algn="ctr"/>
             <a:r>
               <a:rPr lang="en-US" altLang="ko-KR" sz="1400"/>
-              <a:t>nvidia-container-runtime-hook</a:t>
+              <a:t>nvidia-container-runtime-hook CLI</a:t>
             </a:r>
             <a:endParaRPr lang="en-US" altLang="ko-KR" sz="1400" dirty="0"/>
           </a:p>
@@ -4248,8 +4248,8 @@
         </p:nvCxnSpPr>
         <p:spPr>
           <a:xfrm flipH="1">
-            <a:off x="6572448" y="2788471"/>
-            <a:ext cx="581225" cy="1"/>
+            <a:off x="6740060" y="2788471"/>
+            <a:ext cx="413613" cy="1"/>
           </a:xfrm>
           <a:prstGeom prst="straightConnector1">
             <a:avLst/>
@@ -4462,7 +4462,7 @@
             <a:pPr algn="ctr"/>
             <a:r>
               <a:rPr lang="en-US" altLang="ko-KR" sz="1400"/>
-              <a:t>runc</a:t>
+              <a:t>runc CLI</a:t>
             </a:r>
             <a:endParaRPr lang="en-US" altLang="ko-KR" sz="1400" dirty="0"/>
           </a:p>
@@ -4701,7 +4701,7 @@
         </p:nvSpPr>
         <p:spPr>
           <a:xfrm>
-            <a:off x="832746" y="987574"/>
+            <a:off x="755576" y="987574"/>
             <a:ext cx="2731142" cy="619914"/>
           </a:xfrm>
           <a:prstGeom prst="roundRect">
@@ -4735,14 +4735,14 @@
             <a:pPr algn="ctr"/>
             <a:r>
               <a:rPr lang="en-US" altLang="ko-KR" sz="1400"/>
-              <a:t>Create Namespace (Fork),</a:t>
+              <a:t>Create Namespace,</a:t>
             </a:r>
           </a:p>
           <a:p>
             <a:pPr algn="ctr"/>
             <a:r>
               <a:rPr lang="en-US" altLang="ko-KR" sz="1400"/>
-              <a:t>Set Rootfs</a:t>
+              <a:t>Set rootfs (clone())</a:t>
             </a:r>
           </a:p>
         </p:txBody>

--- a/images/theory_analysis/Container_NVIDA_CUDA_GPU/Container_NVIDA_CUDA_GPU.pptx
+++ b/images/theory_analysis/Container_NVIDA_CUDA_GPU/Container_NVIDA_CUDA_GPU.pptx
@@ -6157,7 +6157,7 @@
             <a:pPr algn="ctr"/>
             <a:r>
               <a:rPr lang="en-US" altLang="ko-KR" sz="1200"/>
-              <a:t>NVIDIA CUDA Toolkit</a:t>
+              <a:t>NVIDIA CUDA Lib/Toolkit</a:t>
             </a:r>
             <a:endParaRPr lang="en-US" altLang="ko-KR" sz="1200" dirty="0"/>
           </a:p>
@@ -6383,7 +6383,7 @@
               <a:pPr algn="ctr"/>
               <a:r>
                 <a:rPr lang="en-US" altLang="ko-KR" sz="1200"/>
-                <a:t>NVIDIA CUDA Toolkit</a:t>
+                <a:t>NVIDIA CUDA Lib/Toolkit</a:t>
               </a:r>
               <a:endParaRPr lang="en-US" altLang="ko-KR" sz="1200" dirty="0"/>
             </a:p>
@@ -6770,14 +6770,7 @@
             <a:pPr algn="ctr"/>
             <a:r>
               <a:rPr lang="en-US" altLang="ko-KR" sz="1200"/>
-              <a:t>NVIDIA </a:t>
-            </a:r>
-          </a:p>
-          <a:p>
-            <a:pPr algn="ctr"/>
-            <a:r>
-              <a:rPr lang="en-US" altLang="ko-KR" sz="1200"/>
-              <a:t>CUDA Toolkit</a:t>
+              <a:t>NVIDIA CUDA Lib/Toolkit</a:t>
             </a:r>
             <a:endParaRPr lang="en-US" altLang="ko-KR" sz="1200" dirty="0"/>
           </a:p>

--- a/images/theory_analysis/Container_NVIDA_CUDA_GPU/Container_NVIDA_CUDA_GPU.pptx
+++ b/images/theory_analysis/Container_NVIDA_CUDA_GPU/Container_NVIDA_CUDA_GPU.pptx
@@ -5130,6 +5130,66 @@
               <a:t>1</a:t>
             </a:r>
             <a:endParaRPr lang="ko-KR" altLang="en-US" sz="1600"/>
+          </a:p>
+        </p:txBody>
+      </p:sp>
+      <p:sp>
+        <p:nvSpPr>
+          <p:cNvPr id="24" name="사각형: 둥근 모서리 114">
+            <a:extLst>
+              <a:ext uri="{FF2B5EF4-FFF2-40B4-BE49-F238E27FC236}">
+                <a16:creationId xmlns:a16="http://schemas.microsoft.com/office/drawing/2014/main" id="{B9253FE2-2D7A-448F-B4D6-58E5379E0CA6}"/>
+              </a:ext>
+            </a:extLst>
+          </p:cNvPr>
+          <p:cNvSpPr/>
+          <p:nvPr/>
+        </p:nvSpPr>
+        <p:spPr>
+          <a:xfrm>
+            <a:off x="2465045" y="3386563"/>
+            <a:ext cx="2043345" cy="619914"/>
+          </a:xfrm>
+          <a:prstGeom prst="roundRect">
+            <a:avLst>
+              <a:gd name="adj" fmla="val 10304"/>
+            </a:avLst>
+          </a:prstGeom>
+          <a:noFill/>
+          <a:ln>
+            <a:noFill/>
+          </a:ln>
+        </p:spPr>
+        <p:style>
+          <a:lnRef idx="2">
+            <a:schemeClr val="dk1"/>
+          </a:lnRef>
+          <a:fillRef idx="1">
+            <a:schemeClr val="lt1"/>
+          </a:fillRef>
+          <a:effectRef idx="0">
+            <a:schemeClr val="dk1"/>
+          </a:effectRef>
+          <a:fontRef idx="minor">
+            <a:schemeClr val="dk1"/>
+          </a:fontRef>
+        </p:style>
+        <p:txBody>
+          <a:bodyPr rtlCol="0" anchor="ctr"/>
+          <a:lstStyle/>
+          <a:p>
+            <a:pPr algn="ctr"/>
+            <a:r>
+              <a:rPr lang="en-US" altLang="ko-KR" sz="1400"/>
+              <a:t>Set GPU, </a:t>
+            </a:r>
+          </a:p>
+          <a:p>
+            <a:pPr algn="ctr"/>
+            <a:r>
+              <a:rPr lang="en-US" altLang="ko-KR" sz="1400"/>
+              <a:t>CUDA</a:t>
+            </a:r>
           </a:p>
         </p:txBody>
       </p:sp>

--- a/images/theory_analysis/Container_NVIDA_CUDA_GPU/Container_NVIDA_CUDA_GPU.pptx
+++ b/images/theory_analysis/Container_NVIDA_CUDA_GPU/Container_NVIDA_CUDA_GPU.pptx
@@ -216,7 +216,7 @@
           <a:p>
             <a:fld id="{6CD5550B-26C4-49A9-A5BA-636EF7BE6CE9}" type="datetimeFigureOut">
               <a:rPr lang="ko-KR" altLang="en-US" smtClean="0"/>
-              <a:t>2019-12-18</a:t>
+              <a:t>2020-04-20</a:t>
             </a:fld>
             <a:endParaRPr lang="ko-KR" altLang="en-US"/>
           </a:p>
@@ -914,7 +914,7 @@
           <a:p>
             <a:fld id="{FB30EDBD-1C2D-4C1E-B459-B60219FAB484}" type="datetimeFigureOut">
               <a:rPr lang="ko-KR" altLang="en-US" smtClean="0"/>
-              <a:t>2019-12-18</a:t>
+              <a:t>2020-04-20</a:t>
             </a:fld>
             <a:endParaRPr lang="ko-KR" altLang="en-US"/>
           </a:p>
@@ -1077,7 +1077,7 @@
           <a:p>
             <a:fld id="{FB30EDBD-1C2D-4C1E-B459-B60219FAB484}" type="datetimeFigureOut">
               <a:rPr lang="ko-KR" altLang="en-US" smtClean="0"/>
-              <a:t>2019-12-18</a:t>
+              <a:t>2020-04-20</a:t>
             </a:fld>
             <a:endParaRPr lang="ko-KR" altLang="en-US"/>
           </a:p>
@@ -1250,7 +1250,7 @@
           <a:p>
             <a:fld id="{FB30EDBD-1C2D-4C1E-B459-B60219FAB484}" type="datetimeFigureOut">
               <a:rPr lang="ko-KR" altLang="en-US" smtClean="0"/>
-              <a:t>2019-12-18</a:t>
+              <a:t>2020-04-20</a:t>
             </a:fld>
             <a:endParaRPr lang="ko-KR" altLang="en-US"/>
           </a:p>
@@ -1413,7 +1413,7 @@
           <a:p>
             <a:fld id="{FB30EDBD-1C2D-4C1E-B459-B60219FAB484}" type="datetimeFigureOut">
               <a:rPr lang="ko-KR" altLang="en-US" smtClean="0"/>
-              <a:t>2019-12-18</a:t>
+              <a:t>2020-04-20</a:t>
             </a:fld>
             <a:endParaRPr lang="ko-KR" altLang="en-US"/>
           </a:p>
@@ -1653,7 +1653,7 @@
           <a:p>
             <a:fld id="{FB30EDBD-1C2D-4C1E-B459-B60219FAB484}" type="datetimeFigureOut">
               <a:rPr lang="ko-KR" altLang="en-US" smtClean="0"/>
-              <a:t>2019-12-18</a:t>
+              <a:t>2020-04-20</a:t>
             </a:fld>
             <a:endParaRPr lang="ko-KR" altLang="en-US"/>
           </a:p>
@@ -1933,7 +1933,7 @@
           <a:p>
             <a:fld id="{FB30EDBD-1C2D-4C1E-B459-B60219FAB484}" type="datetimeFigureOut">
               <a:rPr lang="ko-KR" altLang="en-US" smtClean="0"/>
-              <a:t>2019-12-18</a:t>
+              <a:t>2020-04-20</a:t>
             </a:fld>
             <a:endParaRPr lang="ko-KR" altLang="en-US"/>
           </a:p>
@@ -2347,7 +2347,7 @@
           <a:p>
             <a:fld id="{FB30EDBD-1C2D-4C1E-B459-B60219FAB484}" type="datetimeFigureOut">
               <a:rPr lang="ko-KR" altLang="en-US" smtClean="0"/>
-              <a:t>2019-12-18</a:t>
+              <a:t>2020-04-20</a:t>
             </a:fld>
             <a:endParaRPr lang="ko-KR" altLang="en-US"/>
           </a:p>
@@ -2459,7 +2459,7 @@
           <a:p>
             <a:fld id="{FB30EDBD-1C2D-4C1E-B459-B60219FAB484}" type="datetimeFigureOut">
               <a:rPr lang="ko-KR" altLang="en-US" smtClean="0"/>
-              <a:t>2019-12-18</a:t>
+              <a:t>2020-04-20</a:t>
             </a:fld>
             <a:endParaRPr lang="ko-KR" altLang="en-US"/>
           </a:p>
@@ -2549,7 +2549,7 @@
           <a:p>
             <a:fld id="{FB30EDBD-1C2D-4C1E-B459-B60219FAB484}" type="datetimeFigureOut">
               <a:rPr lang="ko-KR" altLang="en-US" smtClean="0"/>
-              <a:t>2019-12-18</a:t>
+              <a:t>2020-04-20</a:t>
             </a:fld>
             <a:endParaRPr lang="ko-KR" altLang="en-US"/>
           </a:p>
@@ -2819,7 +2819,7 @@
           <a:p>
             <a:fld id="{FB30EDBD-1C2D-4C1E-B459-B60219FAB484}" type="datetimeFigureOut">
               <a:rPr lang="ko-KR" altLang="en-US" smtClean="0"/>
-              <a:t>2019-12-18</a:t>
+              <a:t>2020-04-20</a:t>
             </a:fld>
             <a:endParaRPr lang="ko-KR" altLang="en-US"/>
           </a:p>
@@ -3066,7 +3066,7 @@
           <a:p>
             <a:fld id="{FB30EDBD-1C2D-4C1E-B459-B60219FAB484}" type="datetimeFigureOut">
               <a:rPr lang="ko-KR" altLang="en-US" smtClean="0"/>
-              <a:t>2019-12-18</a:t>
+              <a:t>2020-04-20</a:t>
             </a:fld>
             <a:endParaRPr lang="ko-KR" altLang="en-US"/>
           </a:p>
@@ -3272,7 +3272,7 @@
           <a:p>
             <a:fld id="{FB30EDBD-1C2D-4C1E-B459-B60219FAB484}" type="datetimeFigureOut">
               <a:rPr lang="ko-KR" altLang="en-US" smtClean="0"/>
-              <a:t>2019-12-18</a:t>
+              <a:t>2020-04-20</a:t>
             </a:fld>
             <a:endParaRPr lang="ko-KR" altLang="en-US"/>
           </a:p>
@@ -3692,8 +3692,8 @@
         </p:nvSpPr>
         <p:spPr>
           <a:xfrm>
-            <a:off x="2051720" y="698149"/>
-            <a:ext cx="5184576" cy="433441"/>
+            <a:off x="2267744" y="698149"/>
+            <a:ext cx="4752528" cy="433441"/>
           </a:xfrm>
           <a:prstGeom prst="roundRect">
             <a:avLst>
@@ -3721,7 +3721,7 @@
           <a:p>
             <a:r>
               <a:rPr lang="en-US" altLang="ko-KR" sz="1400"/>
-              <a:t># docker run --gpu all nvidia/cuda:9.0-base nvida nvidia-smi</a:t>
+              <a:t># docker run --gpu all nvidia/cuda:9.0-base nvidia-smi</a:t>
             </a:r>
             <a:endParaRPr lang="en-US" altLang="ko-KR" sz="1400" dirty="0"/>
           </a:p>
